--- a/ShallowWater/presentation/Presentation1.pptx
+++ b/ShallowWater/presentation/Presentation1.pptx
@@ -5,16 +5,15 @@
     <p:sldMasterId id="2147483648" r:id="rId1"/>
   </p:sldMasterIdLst>
   <p:notesMasterIdLst>
-    <p:notesMasterId r:id="rId9"/>
+    <p:notesMasterId r:id="rId8"/>
   </p:notesMasterIdLst>
   <p:sldIdLst>
     <p:sldId id="256" r:id="rId2"/>
     <p:sldId id="257" r:id="rId3"/>
     <p:sldId id="258" r:id="rId4"/>
-    <p:sldId id="259" r:id="rId5"/>
-    <p:sldId id="260" r:id="rId6"/>
-    <p:sldId id="261" r:id="rId7"/>
-    <p:sldId id="262" r:id="rId8"/>
+    <p:sldId id="260" r:id="rId5"/>
+    <p:sldId id="261" r:id="rId6"/>
+    <p:sldId id="262" r:id="rId7"/>
   </p:sldIdLst>
   <p:sldSz cx="12192000" cy="6858000"/>
   <p:notesSz cx="6858000" cy="9144000"/>
@@ -203,7 +202,7 @@
           <a:p>
             <a:fld id="{C24C9FC5-82AE-4907-8E74-BEF2F1FD6030}" type="datetimeFigureOut">
               <a:rPr lang="de-CH" smtClean="0"/>
-              <a:t>16.12.2013</a:t>
+              <a:t>17.12.2013</a:t>
             </a:fld>
             <a:endParaRPr lang="de-CH"/>
           </a:p>
@@ -770,7 +769,7 @@
           <a:p>
             <a:fld id="{53589E29-5BF6-40B7-A36D-106F9BFC2075}" type="datetime1">
               <a:rPr lang="de-CH" smtClean="0"/>
-              <a:t>16.12.2013</a:t>
+              <a:t>17.12.2013</a:t>
             </a:fld>
             <a:endParaRPr lang="de-CH"/>
           </a:p>
@@ -944,7 +943,7 @@
           <a:p>
             <a:fld id="{74B2F34D-E9F9-44AE-BEAD-A5B3C74ED2F0}" type="datetime1">
               <a:rPr lang="de-CH" smtClean="0"/>
-              <a:t>16.12.2013</a:t>
+              <a:t>17.12.2013</a:t>
             </a:fld>
             <a:endParaRPr lang="de-CH"/>
           </a:p>
@@ -1128,7 +1127,7 @@
           <a:p>
             <a:fld id="{FA05A1F1-0D0D-4A09-AEB9-09F4B3FB8B4F}" type="datetime1">
               <a:rPr lang="de-CH" smtClean="0"/>
-              <a:t>16.12.2013</a:t>
+              <a:t>17.12.2013</a:t>
             </a:fld>
             <a:endParaRPr lang="de-CH"/>
           </a:p>
@@ -1302,7 +1301,7 @@
           <a:p>
             <a:fld id="{D92A9CA6-3830-40AC-9139-0862EA1AE65A}" type="datetime1">
               <a:rPr lang="de-CH" smtClean="0"/>
-              <a:t>16.12.2013</a:t>
+              <a:t>17.12.2013</a:t>
             </a:fld>
             <a:endParaRPr lang="de-CH"/>
           </a:p>
@@ -1552,7 +1551,7 @@
           <a:p>
             <a:fld id="{F2923748-2985-42A6-ACF6-151151BED71D}" type="datetime1">
               <a:rPr lang="de-CH" smtClean="0"/>
-              <a:t>16.12.2013</a:t>
+              <a:t>17.12.2013</a:t>
             </a:fld>
             <a:endParaRPr lang="de-CH"/>
           </a:p>
@@ -1788,7 +1787,7 @@
           <a:p>
             <a:fld id="{FB395478-0E2C-4113-8143-94173031EAAC}" type="datetime1">
               <a:rPr lang="de-CH" smtClean="0"/>
-              <a:t>16.12.2013</a:t>
+              <a:t>17.12.2013</a:t>
             </a:fld>
             <a:endParaRPr lang="de-CH"/>
           </a:p>
@@ -2159,7 +2158,7 @@
           <a:p>
             <a:fld id="{668816EC-F3A1-4CD6-A7A0-2A8B9CCC9ADA}" type="datetime1">
               <a:rPr lang="de-CH" smtClean="0"/>
-              <a:t>16.12.2013</a:t>
+              <a:t>17.12.2013</a:t>
             </a:fld>
             <a:endParaRPr lang="de-CH"/>
           </a:p>
@@ -2281,7 +2280,7 @@
           <a:p>
             <a:fld id="{1EE14FBF-9485-499D-95EC-6895A9729D10}" type="datetime1">
               <a:rPr lang="de-CH" smtClean="0"/>
-              <a:t>16.12.2013</a:t>
+              <a:t>17.12.2013</a:t>
             </a:fld>
             <a:endParaRPr lang="de-CH"/>
           </a:p>
@@ -2380,7 +2379,7 @@
           <a:p>
             <a:fld id="{BD8ECB72-A932-4716-8CAE-B707C70D5F86}" type="datetime1">
               <a:rPr lang="de-CH" smtClean="0"/>
-              <a:t>16.12.2013</a:t>
+              <a:t>17.12.2013</a:t>
             </a:fld>
             <a:endParaRPr lang="de-CH"/>
           </a:p>
@@ -2661,7 +2660,7 @@
           <a:p>
             <a:fld id="{37208730-6F91-4FEF-8148-EFE8E88E6F9E}" type="datetime1">
               <a:rPr lang="de-CH" smtClean="0"/>
-              <a:t>16.12.2013</a:t>
+              <a:t>17.12.2013</a:t>
             </a:fld>
             <a:endParaRPr lang="de-CH"/>
           </a:p>
@@ -2918,7 +2917,7 @@
           <a:p>
             <a:fld id="{989260B0-DCF0-4E61-BD47-62043608E333}" type="datetime1">
               <a:rPr lang="de-CH" smtClean="0"/>
-              <a:t>16.12.2013</a:t>
+              <a:t>17.12.2013</a:t>
             </a:fld>
             <a:endParaRPr lang="de-CH"/>
           </a:p>
@@ -3135,7 +3134,7 @@
           <a:p>
             <a:fld id="{FB221CF6-100D-4CAF-B50A-3441F3C6738A}" type="datetime1">
               <a:rPr lang="de-CH" smtClean="0"/>
-              <a:t>16.12.2013</a:t>
+              <a:t>17.12.2013</a:t>
             </a:fld>
             <a:endParaRPr lang="de-CH"/>
           </a:p>
@@ -3725,7 +3724,7 @@
           <a:p>
             <a:r>
               <a:rPr lang="de-CH" dirty="0" smtClean="0"/>
-              <a:t>User can influence the water (rain, tsunami,..)</a:t>
+              <a:t>User can influence the water (rain, waves,..)</a:t>
             </a:r>
             <a:endParaRPr lang="de-CH" dirty="0"/>
           </a:p>
@@ -3830,8 +3829,8 @@
           </a:p>
         </p:txBody>
       </p:sp>
-      <mc:AlternateContent xmlns:mc="http://schemas.openxmlformats.org/markup-compatibility/2006">
-        <mc:Choice xmlns:a14="http://schemas.microsoft.com/office/drawing/2010/main" Requires="a14">
+      <mc:AlternateContent xmlns:mc="http://schemas.openxmlformats.org/markup-compatibility/2006" xmlns:a14="http://schemas.microsoft.com/office/drawing/2010/main">
+        <mc:Choice Requires="a14">
           <p:sp>
             <p:nvSpPr>
               <p:cNvPr id="5" name="Content Placeholder 4"/>
@@ -3942,7 +3941,6 @@
                   <a:rPr lang="de-CH" sz="2800" dirty="0" smtClean="0"/>
                   <a:t> </a:t>
                 </a:r>
-                <a:endParaRPr lang="de-CH" sz="2800" dirty="0" smtClean="0"/>
               </a:p>
               <a:p>
                 <a:pPr lvl="1"/>
@@ -4018,7 +4016,21 @@
                           <a:latin typeface="Cambria Math" panose="02040503050406030204" pitchFamily="18" charset="0"/>
                           <a:ea typeface="Cambria Math" panose="02040503050406030204" pitchFamily="18" charset="0"/>
                         </a:rPr>
-                        <m:t> ∇∙</m:t>
+                        <m:t> </m:t>
+                      </m:r>
+                      <m:r>
+                        <a:rPr lang="de-CH" sz="2800" b="0" i="1" smtClean="0">
+                          <a:latin typeface="Cambria Math" panose="02040503050406030204" pitchFamily="18" charset="0"/>
+                          <a:ea typeface="Cambria Math" panose="02040503050406030204" pitchFamily="18" charset="0"/>
+                        </a:rPr>
+                        <m:t>𝛻</m:t>
+                      </m:r>
+                      <m:r>
+                        <a:rPr lang="de-CH" sz="2800" b="0" i="1" smtClean="0">
+                          <a:latin typeface="Cambria Math" panose="02040503050406030204" pitchFamily="18" charset="0"/>
+                          <a:ea typeface="Cambria Math" panose="02040503050406030204" pitchFamily="18" charset="0"/>
+                        </a:rPr>
+                        <m:t>∙</m:t>
                       </m:r>
                       <m:r>
                         <a:rPr lang="de-CH" sz="2800" b="1" i="1" smtClean="0">
@@ -4122,7 +4134,14 @@
                           <a:latin typeface="Cambria Math" panose="02040503050406030204" pitchFamily="18" charset="0"/>
                           <a:ea typeface="Cambria Math" panose="02040503050406030204" pitchFamily="18" charset="0"/>
                         </a:rPr>
-                        <m:t>∙∇</m:t>
+                        <m:t>∙</m:t>
+                      </m:r>
+                      <m:r>
+                        <a:rPr lang="de-CH" b="0" i="1" smtClean="0">
+                          <a:latin typeface="Cambria Math" panose="02040503050406030204" pitchFamily="18" charset="0"/>
+                          <a:ea typeface="Cambria Math" panose="02040503050406030204" pitchFamily="18" charset="0"/>
+                        </a:rPr>
+                        <m:t>𝛻</m:t>
                       </m:r>
                       <m:r>
                         <a:rPr lang="de-CH" b="0" i="1" smtClean="0">
@@ -4134,6 +4153,10 @@
                     </m:oMath>
                   </m:oMathPara>
                 </a14:m>
+                <a:endParaRPr lang="de-CH" sz="2800" b="0" i="1" dirty="0" smtClean="0">
+                  <a:latin typeface="Cambria Math" panose="02040503050406030204" pitchFamily="18" charset="0"/>
+                  <a:ea typeface="Cambria Math" panose="02040503050406030204" pitchFamily="18" charset="0"/>
+                </a:endParaRPr>
               </a:p>
               <a:p>
                 <a:pPr marL="0" indent="0">
@@ -4144,7 +4167,7 @@
             </p:txBody>
           </p:sp>
         </mc:Choice>
-        <mc:Fallback>
+        <mc:Fallback xmlns="">
           <p:sp>
             <p:nvSpPr>
               <p:cNvPr id="5" name="Content Placeholder 4"/>
@@ -4259,295 +4282,56 @@
           <a:p>
             <a:r>
               <a:rPr lang="de-CH" dirty="0" smtClean="0"/>
-              <a:t>SWE Solver</a:t>
+              <a:t>Rigid Body / Water interaction</a:t>
             </a:r>
             <a:endParaRPr lang="de-CH" dirty="0"/>
           </a:p>
         </p:txBody>
       </p:sp>
-      <mc:AlternateContent xmlns:mc="http://schemas.openxmlformats.org/markup-compatibility/2006">
-        <mc:Choice xmlns:a14="http://schemas.microsoft.com/office/drawing/2010/main" Requires="a14">
-          <p:sp>
-            <p:nvSpPr>
-              <p:cNvPr id="3" name="Content Placeholder 2"/>
-              <p:cNvSpPr>
-                <a:spLocks noGrp="1"/>
-              </p:cNvSpPr>
-              <p:nvPr>
-                <p:ph idx="1"/>
-              </p:nvPr>
-            </p:nvSpPr>
-            <p:spPr>
-              <a:xfrm>
-                <a:off x="838199" y="1825625"/>
-                <a:ext cx="10247489" cy="4351338"/>
-              </a:xfrm>
-            </p:spPr>
-            <p:txBody>
-              <a:bodyPr>
-                <a:normAutofit/>
-              </a:bodyPr>
-              <a:lstStyle/>
-              <a:p>
-                <a:r>
-                  <a:rPr lang="de-CH" dirty="0" smtClean="0"/>
-                  <a:t>Explicite time integration</a:t>
-                </a:r>
-              </a:p>
-              <a:p>
-                <a:r>
-                  <a:rPr lang="de-CH" dirty="0" smtClean="0"/>
-                  <a:t>Compute Semi-Lagrangian avection of </a:t>
-                </a:r>
-                <a14:m>
-                  <m:oMath xmlns:m="http://schemas.openxmlformats.org/officeDocument/2006/math">
-                    <m:sSub>
-                      <m:sSubPr>
-                        <m:ctrlPr>
-                          <a:rPr lang="de-CH" i="1" smtClean="0">
-                            <a:latin typeface="Cambria Math" panose="02040503050406030204" pitchFamily="18" charset="0"/>
-                            <a:ea typeface="Cambria Math" panose="02040503050406030204" pitchFamily="18" charset="0"/>
-                          </a:rPr>
-                        </m:ctrlPr>
-                      </m:sSubPr>
-                      <m:e>
-                        <m:r>
-                          <a:rPr lang="de-CH" b="0" i="1" smtClean="0">
-                            <a:latin typeface="Cambria Math" panose="02040503050406030204" pitchFamily="18" charset="0"/>
-                            <a:ea typeface="Cambria Math" panose="02040503050406030204" pitchFamily="18" charset="0"/>
-                          </a:rPr>
-                          <m:t>h</m:t>
-                        </m:r>
-                      </m:e>
-                      <m:sub>
-                        <m:r>
-                          <a:rPr lang="de-CH" b="0" i="1" smtClean="0">
-                            <a:latin typeface="Cambria Math" panose="02040503050406030204" pitchFamily="18" charset="0"/>
-                            <a:ea typeface="Cambria Math" panose="02040503050406030204" pitchFamily="18" charset="0"/>
-                          </a:rPr>
-                          <m:t>𝑖</m:t>
-                        </m:r>
-                        <m:r>
-                          <a:rPr lang="de-CH" b="0" i="1" smtClean="0">
-                            <a:latin typeface="Cambria Math" panose="02040503050406030204" pitchFamily="18" charset="0"/>
-                            <a:ea typeface="Cambria Math" panose="02040503050406030204" pitchFamily="18" charset="0"/>
-                          </a:rPr>
-                          <m:t>,</m:t>
-                        </m:r>
-                        <m:r>
-                          <a:rPr lang="de-CH" b="0" i="1" smtClean="0">
-                            <a:latin typeface="Cambria Math" panose="02040503050406030204" pitchFamily="18" charset="0"/>
-                            <a:ea typeface="Cambria Math" panose="02040503050406030204" pitchFamily="18" charset="0"/>
-                          </a:rPr>
-                          <m:t>𝑗</m:t>
-                        </m:r>
-                      </m:sub>
-                    </m:sSub>
-                  </m:oMath>
-                </a14:m>
-                <a:r>
-                  <a:rPr lang="de-CH" dirty="0" smtClean="0"/>
-                  <a:t> and </a:t>
-                </a:r>
-                <a14:m>
-                  <m:oMath xmlns:m="http://schemas.openxmlformats.org/officeDocument/2006/math">
-                    <m:sSub>
-                      <m:sSubPr>
-                        <m:ctrlPr>
-                          <a:rPr lang="de-CH" b="1" i="1" smtClean="0">
-                            <a:latin typeface="Cambria Math" panose="02040503050406030204" pitchFamily="18" charset="0"/>
-                            <a:ea typeface="Cambria Math" panose="02040503050406030204" pitchFamily="18" charset="0"/>
-                          </a:rPr>
-                        </m:ctrlPr>
-                      </m:sSubPr>
-                      <m:e>
-                        <m:r>
-                          <a:rPr lang="de-CH" b="1" i="1" smtClean="0">
-                            <a:latin typeface="Cambria Math" panose="02040503050406030204" pitchFamily="18" charset="0"/>
-                            <a:ea typeface="Cambria Math" panose="02040503050406030204" pitchFamily="18" charset="0"/>
-                          </a:rPr>
-                          <m:t>𝒗</m:t>
-                        </m:r>
-                      </m:e>
-                      <m:sub>
-                        <m:r>
-                          <a:rPr lang="de-CH" b="0" i="1" smtClean="0">
-                            <a:latin typeface="Cambria Math" panose="02040503050406030204" pitchFamily="18" charset="0"/>
-                            <a:ea typeface="Cambria Math" panose="02040503050406030204" pitchFamily="18" charset="0"/>
-                          </a:rPr>
-                          <m:t>𝑖</m:t>
-                        </m:r>
-                        <m:r>
-                          <a:rPr lang="de-CH" b="0" i="1" smtClean="0">
-                            <a:latin typeface="Cambria Math" panose="02040503050406030204" pitchFamily="18" charset="0"/>
-                            <a:ea typeface="Cambria Math" panose="02040503050406030204" pitchFamily="18" charset="0"/>
-                          </a:rPr>
-                          <m:t>,</m:t>
-                        </m:r>
-                        <m:r>
-                          <a:rPr lang="de-CH" b="0" i="1" smtClean="0">
-                            <a:latin typeface="Cambria Math" panose="02040503050406030204" pitchFamily="18" charset="0"/>
-                            <a:ea typeface="Cambria Math" panose="02040503050406030204" pitchFamily="18" charset="0"/>
-                          </a:rPr>
-                          <m:t>𝑗</m:t>
-                        </m:r>
-                      </m:sub>
-                    </m:sSub>
-                  </m:oMath>
-                </a14:m>
-                <a:r>
-                  <a:rPr lang="de-CH" dirty="0" smtClean="0"/>
-                  <a:t> on staggered grid</a:t>
-                </a:r>
-                <a:endParaRPr lang="de-CH" b="1" i="1" dirty="0">
-                  <a:latin typeface="Cambria Math" panose="02040503050406030204" pitchFamily="18" charset="0"/>
-                  <a:ea typeface="Cambria Math" panose="02040503050406030204" pitchFamily="18" charset="0"/>
-                </a:endParaRPr>
-              </a:p>
-              <a:p>
-                <a:r>
-                  <a:rPr lang="de-CH" dirty="0" smtClean="0"/>
-                  <a:t> update velocities </a:t>
-                </a:r>
-                <a14:m>
-                  <m:oMath xmlns:m="http://schemas.openxmlformats.org/officeDocument/2006/math">
-                    <m:sSub>
-                      <m:sSubPr>
-                        <m:ctrlPr>
-                          <a:rPr lang="de-CH" b="1" i="1">
-                            <a:latin typeface="Cambria Math" panose="02040503050406030204" pitchFamily="18" charset="0"/>
-                            <a:ea typeface="Cambria Math" panose="02040503050406030204" pitchFamily="18" charset="0"/>
-                          </a:rPr>
-                        </m:ctrlPr>
-                      </m:sSubPr>
-                      <m:e>
-                        <m:r>
-                          <a:rPr lang="de-CH" b="1" i="1">
-                            <a:latin typeface="Cambria Math" panose="02040503050406030204" pitchFamily="18" charset="0"/>
-                            <a:ea typeface="Cambria Math" panose="02040503050406030204" pitchFamily="18" charset="0"/>
-                          </a:rPr>
-                          <m:t>𝒗</m:t>
-                        </m:r>
-                      </m:e>
-                      <m:sub>
-                        <m:r>
-                          <a:rPr lang="de-CH" b="0" i="1">
-                            <a:latin typeface="Cambria Math" panose="02040503050406030204" pitchFamily="18" charset="0"/>
-                            <a:ea typeface="Cambria Math" panose="02040503050406030204" pitchFamily="18" charset="0"/>
-                          </a:rPr>
-                          <m:t>𝑖</m:t>
-                        </m:r>
-                        <m:r>
-                          <a:rPr lang="de-CH" b="0" i="1">
-                            <a:latin typeface="Cambria Math" panose="02040503050406030204" pitchFamily="18" charset="0"/>
-                            <a:ea typeface="Cambria Math" panose="02040503050406030204" pitchFamily="18" charset="0"/>
-                          </a:rPr>
-                          <m:t>,</m:t>
-                        </m:r>
-                        <m:r>
-                          <a:rPr lang="de-CH" b="0" i="1">
-                            <a:latin typeface="Cambria Math" panose="02040503050406030204" pitchFamily="18" charset="0"/>
-                            <a:ea typeface="Cambria Math" panose="02040503050406030204" pitchFamily="18" charset="0"/>
-                          </a:rPr>
-                          <m:t>𝑗</m:t>
-                        </m:r>
-                      </m:sub>
-                    </m:sSub>
-                  </m:oMath>
-                </a14:m>
-                <a:r>
-                  <a:rPr lang="de-CH" dirty="0" smtClean="0"/>
-                  <a:t> and </a:t>
-                </a:r>
-                <a14:m>
-                  <m:oMath xmlns:m="http://schemas.openxmlformats.org/officeDocument/2006/math">
-                    <m:sSub>
-                      <m:sSubPr>
-                        <m:ctrlPr>
-                          <a:rPr lang="de-CH" i="1">
-                            <a:latin typeface="Cambria Math" panose="02040503050406030204" pitchFamily="18" charset="0"/>
-                            <a:ea typeface="Cambria Math" panose="02040503050406030204" pitchFamily="18" charset="0"/>
-                          </a:rPr>
-                        </m:ctrlPr>
-                      </m:sSubPr>
-                      <m:e>
-                        <m:r>
-                          <a:rPr lang="de-CH" i="1">
-                            <a:latin typeface="Cambria Math" panose="02040503050406030204" pitchFamily="18" charset="0"/>
-                            <a:ea typeface="Cambria Math" panose="02040503050406030204" pitchFamily="18" charset="0"/>
-                          </a:rPr>
-                          <m:t>h</m:t>
-                        </m:r>
-                      </m:e>
-                      <m:sub>
-                        <m:r>
-                          <a:rPr lang="de-CH" i="1">
-                            <a:latin typeface="Cambria Math" panose="02040503050406030204" pitchFamily="18" charset="0"/>
-                            <a:ea typeface="Cambria Math" panose="02040503050406030204" pitchFamily="18" charset="0"/>
-                          </a:rPr>
-                          <m:t>𝑖</m:t>
-                        </m:r>
-                        <m:r>
-                          <a:rPr lang="de-CH" i="1">
-                            <a:latin typeface="Cambria Math" panose="02040503050406030204" pitchFamily="18" charset="0"/>
-                            <a:ea typeface="Cambria Math" panose="02040503050406030204" pitchFamily="18" charset="0"/>
-                          </a:rPr>
-                          <m:t>,</m:t>
-                        </m:r>
-                        <m:r>
-                          <a:rPr lang="de-CH" i="1">
-                            <a:latin typeface="Cambria Math" panose="02040503050406030204" pitchFamily="18" charset="0"/>
-                            <a:ea typeface="Cambria Math" panose="02040503050406030204" pitchFamily="18" charset="0"/>
-                          </a:rPr>
-                          <m:t>𝑗</m:t>
-                        </m:r>
-                      </m:sub>
-                    </m:sSub>
-                  </m:oMath>
-                </a14:m>
-                <a:endParaRPr lang="de-CH" dirty="0"/>
-              </a:p>
-            </p:txBody>
-          </p:sp>
-        </mc:Choice>
-        <mc:Fallback>
-          <p:sp>
-            <p:nvSpPr>
-              <p:cNvPr id="3" name="Content Placeholder 2"/>
-              <p:cNvSpPr>
-                <a:spLocks noGrp="1" noRot="1" noChangeAspect="1" noMove="1" noResize="1" noEditPoints="1" noAdjustHandles="1" noChangeArrowheads="1" noChangeShapeType="1" noTextEdit="1"/>
-              </p:cNvSpPr>
-              <p:nvPr>
-                <p:ph idx="1"/>
-              </p:nvPr>
-            </p:nvSpPr>
-            <p:spPr>
-              <a:xfrm>
-                <a:off x="838199" y="1825625"/>
-                <a:ext cx="10247489" cy="4351338"/>
-              </a:xfrm>
-              <a:blipFill rotWithShape="0">
-                <a:blip r:embed="rId2"/>
-                <a:stretch>
-                  <a:fillRect l="-1011" t="-2241"/>
-                </a:stretch>
-              </a:blipFill>
-            </p:spPr>
-            <p:txBody>
-              <a:bodyPr/>
-              <a:lstStyle/>
-              <a:p>
-                <a:r>
-                  <a:rPr lang="de-CH">
-                    <a:noFill/>
-                  </a:rPr>
-                  <a:t> </a:t>
-                </a:r>
-              </a:p>
-            </p:txBody>
-          </p:sp>
-        </mc:Fallback>
-      </mc:AlternateContent>
+      <p:sp>
+        <p:nvSpPr>
+          <p:cNvPr id="3" name="Content Placeholder 2"/>
+          <p:cNvSpPr>
+            <a:spLocks noGrp="1"/>
+          </p:cNvSpPr>
+          <p:nvPr>
+            <p:ph idx="1"/>
+          </p:nvPr>
+        </p:nvSpPr>
+        <p:spPr>
+          <a:xfrm>
+            <a:off x="838200" y="1825625"/>
+            <a:ext cx="7434263" cy="4351338"/>
+          </a:xfrm>
+        </p:spPr>
+        <p:txBody>
+          <a:bodyPr/>
+          <a:lstStyle/>
+          <a:p>
+            <a:r>
+              <a:rPr lang="de-CH" dirty="0" smtClean="0"/>
+              <a:t>Assumption: Rigid body is much larger then a  grid cell</a:t>
+            </a:r>
+          </a:p>
+          <a:p>
+            <a:r>
+              <a:rPr lang="de-CH" dirty="0" smtClean="0"/>
+              <a:t>Compute changes of water displaced by the box, distribute on neighbor cells</a:t>
+            </a:r>
+          </a:p>
+          <a:p>
+            <a:r>
+              <a:rPr lang="de-CH" dirty="0"/>
+              <a:t>Compute </a:t>
+            </a:r>
+            <a:r>
+              <a:rPr lang="de-CH" dirty="0" smtClean="0"/>
+              <a:t>buoyancy forces</a:t>
+            </a:r>
+            <a:endParaRPr lang="de-CH" dirty="0"/>
+          </a:p>
+        </p:txBody>
+      </p:sp>
       <p:sp>
         <p:nvSpPr>
           <p:cNvPr id="4" name="Footer Placeholder 3"/>
@@ -4580,7 +4364,7 @@
           <p:nvPr/>
         </p:nvPicPr>
         <p:blipFill>
-          <a:blip r:embed="rId3">
+          <a:blip r:embed="rId2">
             <a:extLst>
               <a:ext uri="{28A0092B-C50C-407E-A947-70E740481C1C}">
                 <a14:useLocalDpi xmlns:a14="http://schemas.microsoft.com/office/drawing/2010/main" val="0"/>
@@ -4593,134 +4377,14 @@
         </p:blipFill>
         <p:spPr>
           <a:xfrm>
-            <a:off x="5961943" y="2788864"/>
-            <a:ext cx="4163588" cy="3523036"/>
+            <a:off x="6717673" y="3341511"/>
+            <a:ext cx="3216549" cy="3163534"/>
           </a:xfrm>
           <a:prstGeom prst="rect">
             <a:avLst/>
           </a:prstGeom>
         </p:spPr>
       </p:pic>
-    </p:spTree>
-    <p:extLst>
-      <p:ext uri="{BB962C8B-B14F-4D97-AF65-F5344CB8AC3E}">
-        <p14:creationId xmlns:p14="http://schemas.microsoft.com/office/powerpoint/2010/main" val="3220897882"/>
-      </p:ext>
-    </p:extLst>
-  </p:cSld>
-  <p:clrMapOvr>
-    <a:masterClrMapping/>
-  </p:clrMapOvr>
-</p:sld>
-</file>
-
-<file path=ppt/slides/slide5.xml><?xml version="1.0" encoding="utf-8"?>
-<p:sld xmlns:a="http://schemas.openxmlformats.org/drawingml/2006/main" xmlns:r="http://schemas.openxmlformats.org/officeDocument/2006/relationships" xmlns:p="http://schemas.openxmlformats.org/presentationml/2006/main">
-  <p:cSld>
-    <p:spTree>
-      <p:nvGrpSpPr>
-        <p:cNvPr id="1" name=""/>
-        <p:cNvGrpSpPr/>
-        <p:nvPr/>
-      </p:nvGrpSpPr>
-      <p:grpSpPr>
-        <a:xfrm>
-          <a:off x="0" y="0"/>
-          <a:ext cx="0" cy="0"/>
-          <a:chOff x="0" y="0"/>
-          <a:chExt cx="0" cy="0"/>
-        </a:xfrm>
-      </p:grpSpPr>
-      <p:sp>
-        <p:nvSpPr>
-          <p:cNvPr id="2" name="Title 1"/>
-          <p:cNvSpPr>
-            <a:spLocks noGrp="1"/>
-          </p:cNvSpPr>
-          <p:nvPr>
-            <p:ph type="title"/>
-          </p:nvPr>
-        </p:nvSpPr>
-        <p:spPr/>
-        <p:txBody>
-          <a:bodyPr/>
-          <a:lstStyle/>
-          <a:p>
-            <a:r>
-              <a:rPr lang="de-CH" dirty="0" smtClean="0"/>
-              <a:t>Rigid Body / Water interaction</a:t>
-            </a:r>
-            <a:endParaRPr lang="de-CH" dirty="0"/>
-          </a:p>
-        </p:txBody>
-      </p:sp>
-      <p:sp>
-        <p:nvSpPr>
-          <p:cNvPr id="3" name="Content Placeholder 2"/>
-          <p:cNvSpPr>
-            <a:spLocks noGrp="1"/>
-          </p:cNvSpPr>
-          <p:nvPr>
-            <p:ph idx="1"/>
-          </p:nvPr>
-        </p:nvSpPr>
-        <p:spPr>
-          <a:xfrm>
-            <a:off x="838200" y="1825625"/>
-            <a:ext cx="7434263" cy="4351338"/>
-          </a:xfrm>
-        </p:spPr>
-        <p:txBody>
-          <a:bodyPr/>
-          <a:lstStyle/>
-          <a:p>
-            <a:r>
-              <a:rPr lang="de-CH" dirty="0" smtClean="0"/>
-              <a:t>Assumption: Rigid body is much larger then a  grid cell</a:t>
-            </a:r>
-          </a:p>
-          <a:p>
-            <a:r>
-              <a:rPr lang="de-CH" dirty="0" smtClean="0"/>
-              <a:t>Compute water displaced by the box, distribute on neighbor cells</a:t>
-            </a:r>
-          </a:p>
-          <a:p>
-            <a:r>
-              <a:rPr lang="de-CH" dirty="0"/>
-              <a:t>Compute </a:t>
-            </a:r>
-            <a:r>
-              <a:rPr lang="de-CH" dirty="0" smtClean="0"/>
-              <a:t>buoyancy forces</a:t>
-            </a:r>
-            <a:endParaRPr lang="de-CH" dirty="0"/>
-          </a:p>
-        </p:txBody>
-      </p:sp>
-      <p:sp>
-        <p:nvSpPr>
-          <p:cNvPr id="4" name="Footer Placeholder 3"/>
-          <p:cNvSpPr>
-            <a:spLocks noGrp="1"/>
-          </p:cNvSpPr>
-          <p:nvPr>
-            <p:ph type="ftr" sz="quarter" idx="11"/>
-          </p:nvPr>
-        </p:nvSpPr>
-        <p:spPr/>
-        <p:txBody>
-          <a:bodyPr/>
-          <a:lstStyle/>
-          <a:p>
-            <a:r>
-              <a:rPr lang="en-US" smtClean="0"/>
-              <a:t>Shallow water / rigid body simulation Physically-based Simulation course project 2013</a:t>
-            </a:r>
-            <a:endParaRPr lang="de-CH"/>
-          </a:p>
-        </p:txBody>
-      </p:sp>
     </p:spTree>
     <p:extLst>
       <p:ext uri="{BB962C8B-B14F-4D97-AF65-F5344CB8AC3E}">
@@ -4734,7 +4398,7 @@
 </p:sld>
 </file>
 
-<file path=ppt/slides/slide6.xml><?xml version="1.0" encoding="utf-8"?>
+<file path=ppt/slides/slide5.xml><?xml version="1.0" encoding="utf-8"?>
 <p:sld xmlns:a="http://schemas.openxmlformats.org/drawingml/2006/main" xmlns:r="http://schemas.openxmlformats.org/officeDocument/2006/relationships" xmlns:p="http://schemas.openxmlformats.org/presentationml/2006/main">
   <p:cSld>
     <p:bg>
@@ -4769,7 +4433,7 @@
         </p:nvSpPr>
         <p:spPr>
           <a:xfrm>
-            <a:off x="9139679" y="1323281"/>
+            <a:off x="9135145" y="1308534"/>
             <a:ext cx="2047434" cy="5013602"/>
           </a:xfrm>
           <a:prstGeom prst="rect">
@@ -4914,7 +4578,7 @@
           <a:p>
             <a:r>
               <a:rPr lang="de-CH" dirty="0" smtClean="0"/>
-              <a:t>Grid size 50 x 250</a:t>
+              <a:t>Grid size 140 x 280</a:t>
             </a:r>
           </a:p>
           <a:p>
@@ -5071,7 +4735,7 @@
             </a:r>
             <a:r>
               <a:rPr lang="de-CH" dirty="0" smtClean="0"/>
-              <a:t>opy buffers</a:t>
+              <a:t>opy height map</a:t>
             </a:r>
             <a:endParaRPr lang="de-CH" dirty="0"/>
           </a:p>
@@ -5085,7 +4749,7 @@
         </p:nvSpPr>
         <p:spPr>
           <a:xfrm>
-            <a:off x="7194928" y="3132016"/>
+            <a:off x="7189547" y="3141186"/>
             <a:ext cx="274991" cy="307181"/>
           </a:xfrm>
           <a:prstGeom prst="downArrow">
@@ -5675,6 +5339,52 @@
           </a:p>
         </p:txBody>
       </p:sp>
+      <p:sp>
+        <p:nvSpPr>
+          <p:cNvPr id="24" name="Right Arrow 23"/>
+          <p:cNvSpPr/>
+          <p:nvPr/>
+        </p:nvSpPr>
+        <p:spPr>
+          <a:xfrm>
+            <a:off x="8585033" y="3540490"/>
+            <a:ext cx="514350" cy="300874"/>
+          </a:xfrm>
+          <a:prstGeom prst="rightArrow">
+            <a:avLst/>
+          </a:prstGeom>
+          <a:noFill/>
+          <a:ln>
+            <a:solidFill>
+              <a:schemeClr val="tx1"/>
+            </a:solidFill>
+          </a:ln>
+        </p:spPr>
+        <p:style>
+          <a:lnRef idx="2">
+            <a:schemeClr val="accent1">
+              <a:shade val="50000"/>
+            </a:schemeClr>
+          </a:lnRef>
+          <a:fillRef idx="1">
+            <a:schemeClr val="accent1"/>
+          </a:fillRef>
+          <a:effectRef idx="0">
+            <a:schemeClr val="accent1"/>
+          </a:effectRef>
+          <a:fontRef idx="minor">
+            <a:schemeClr val="lt1"/>
+          </a:fontRef>
+        </p:style>
+        <p:txBody>
+          <a:bodyPr rtlCol="0" anchor="ctr"/>
+          <a:lstStyle/>
+          <a:p>
+            <a:pPr algn="ctr"/>
+            <a:endParaRPr lang="de-CH"/>
+          </a:p>
+        </p:txBody>
+      </p:sp>
     </p:spTree>
     <p:extLst>
       <p:ext uri="{BB962C8B-B14F-4D97-AF65-F5344CB8AC3E}">
@@ -5688,7 +5398,7 @@
 </p:sld>
 </file>
 
-<file path=ppt/slides/slide7.xml><?xml version="1.0" encoding="utf-8"?>
+<file path=ppt/slides/slide6.xml><?xml version="1.0" encoding="utf-8"?>
 <p:sld xmlns:a="http://schemas.openxmlformats.org/drawingml/2006/main" xmlns:r="http://schemas.openxmlformats.org/officeDocument/2006/relationships" xmlns:p="http://schemas.openxmlformats.org/presentationml/2006/main">
   <p:cSld>
     <p:spTree>
@@ -5745,28 +5455,41 @@
           <a:p>
             <a:r>
               <a:rPr lang="de-CH" dirty="0" smtClean="0"/>
-              <a:t>Interaction Rigid Body / Water</a:t>
+              <a:t>Getting Interaction Rigid Body / Water stable</a:t>
+            </a:r>
+            <a:endParaRPr lang="de-CH" dirty="0"/>
+          </a:p>
+          <a:p>
+            <a:r>
+              <a:rPr lang="de-CH" dirty="0" smtClean="0"/>
+              <a:t>Making simulation realtime</a:t>
+            </a:r>
+          </a:p>
+          <a:p>
+            <a:endParaRPr lang="de-CH" dirty="0"/>
+          </a:p>
+          <a:p>
+            <a:r>
+              <a:rPr lang="de-CH" dirty="0" smtClean="0"/>
+              <a:t>Several Rigid Bodies including collisions</a:t>
+            </a:r>
+          </a:p>
+          <a:p>
+            <a:r>
+              <a:rPr lang="de-CH" dirty="0" smtClean="0"/>
+              <a:t>More ‘water like’ shader</a:t>
+            </a:r>
+          </a:p>
+          <a:p>
+            <a:r>
+              <a:rPr lang="de-CH" dirty="0" smtClean="0"/>
+              <a:t>Compute simulation on GPU</a:t>
             </a:r>
           </a:p>
           <a:p>
             <a:r>
               <a:rPr lang="de-CH" dirty="0" smtClean="0"/>
               <a:t>…</a:t>
-            </a:r>
-          </a:p>
-          <a:p>
-            <a:endParaRPr lang="de-CH" dirty="0"/>
-          </a:p>
-          <a:p>
-            <a:r>
-              <a:rPr lang="de-CH" dirty="0" smtClean="0"/>
-              <a:t>Several Rigid Bodies including collisions</a:t>
-            </a:r>
-          </a:p>
-          <a:p>
-            <a:r>
-              <a:rPr lang="de-CH" dirty="0" smtClean="0"/>
-              <a:t>More ‘water like’ shader</a:t>
             </a:r>
             <a:endParaRPr lang="de-CH" dirty="0"/>
           </a:p>
